--- a/capstone.pptx
+++ b/capstone.pptx
@@ -1169,7 +1169,7 @@
   <dgm:whole/>
   <dgm:extLst>
     <a:ext uri="http://schemas.microsoft.com/office/drawing/2008/diagram">
-      <dsp:dataModelExt xmlns:dsp="http://schemas.microsoft.com/office/drawing/2008/diagram" relId="rId6" minVer="http://schemas.openxmlformats.org/drawingml/2006/diagram"/>
+      <dsp:dataModelExt xmlns:dsp="http://schemas.microsoft.com/office/drawing/2008/diagram" relId="rId7" minVer="http://schemas.openxmlformats.org/drawingml/2006/diagram"/>
     </a:ext>
   </dgm:extLst>
 </dgm:dataModel>
@@ -2741,7 +2741,7 @@
           <a:p>
             <a:fld id="{BDB7646E-8811-423A-9C42-2CBFADA00A96}" type="datetimeFigureOut">
               <a:rPr lang="en-US" smtClean="0"/>
-              <a:t>12/17/2021</a:t>
+              <a:t>12/18/2021</a:t>
             </a:fld>
             <a:endParaRPr lang="en-US"/>
           </a:p>
@@ -2915,7 +2915,7 @@
             <a:fld id="{D677E230-58DD-43ED-96A1-552DDAB53532}" type="datetimeFigureOut">
               <a:rPr lang="en-US" smtClean="0"/>
               <a:pPr/>
-              <a:t>12/17/2021</a:t>
+              <a:t>12/18/2021</a:t>
             </a:fld>
             <a:endParaRPr lang="en-US"/>
           </a:p>
@@ -3235,7 +3235,18 @@
           <a:bodyPr/>
           <a:lstStyle/>
           <a:p>
-            <a:endParaRPr lang="en-US"/>
+            <a:r>
+              <a:rPr lang="en-US" dirty="0"/>
+              <a:t>Good afternoon, I hope you guys are as excited as I am to talk about Snowfall in Nashville, TN. For anyone that celebrates Christmas, as of today we are a week away from </a:t>
+            </a:r>
+            <a:r>
+              <a:rPr lang="en-US"/>
+              <a:t>the Holiday! </a:t>
+            </a:r>
+            <a:r>
+              <a:rPr lang="en-US" dirty="0"/>
+              <a:t>I’m hopeful Jack Frost will visit us this week.</a:t>
+            </a:r>
           </a:p>
         </p:txBody>
       </p:sp>
@@ -3267,6 +3278,745 @@
     <p:extLst>
       <p:ext uri="{BB962C8B-B14F-4D97-AF65-F5344CB8AC3E}">
         <p14:creationId xmlns:p14="http://schemas.microsoft.com/office/powerpoint/2010/main" val="2748074138"/>
+      </p:ext>
+    </p:extLst>
+  </p:cSld>
+  <p:clrMapOvr>
+    <a:masterClrMapping/>
+  </p:clrMapOvr>
+</p:notes>
+</file>
+
+<file path=ppt/notesSlides/notesSlide2.xml><?xml version="1.0" encoding="utf-8"?>
+<p:notes xmlns:a="http://schemas.openxmlformats.org/drawingml/2006/main" xmlns:r="http://schemas.openxmlformats.org/officeDocument/2006/relationships" xmlns:p="http://schemas.openxmlformats.org/presentationml/2006/main">
+  <p:cSld>
+    <p:spTree>
+      <p:nvGrpSpPr>
+        <p:cNvPr id="1" name=""/>
+        <p:cNvGrpSpPr/>
+        <p:nvPr/>
+      </p:nvGrpSpPr>
+      <p:grpSpPr>
+        <a:xfrm>
+          <a:off x="0" y="0"/>
+          <a:ext cx="0" cy="0"/>
+          <a:chOff x="0" y="0"/>
+          <a:chExt cx="0" cy="0"/>
+        </a:xfrm>
+      </p:grpSpPr>
+      <p:sp>
+        <p:nvSpPr>
+          <p:cNvPr id="2" name="Slide Image Placeholder 1"/>
+          <p:cNvSpPr>
+            <a:spLocks noGrp="1" noRot="1" noChangeAspect="1"/>
+          </p:cNvSpPr>
+          <p:nvPr>
+            <p:ph type="sldImg"/>
+          </p:nvPr>
+        </p:nvSpPr>
+        <p:spPr/>
+      </p:sp>
+      <p:sp>
+        <p:nvSpPr>
+          <p:cNvPr id="3" name="Notes Placeholder 2"/>
+          <p:cNvSpPr>
+            <a:spLocks noGrp="1"/>
+          </p:cNvSpPr>
+          <p:nvPr>
+            <p:ph type="body" idx="1"/>
+          </p:nvPr>
+        </p:nvSpPr>
+        <p:spPr/>
+        <p:txBody>
+          <a:bodyPr/>
+          <a:lstStyle/>
+          <a:p>
+            <a:r>
+              <a:rPr lang="en-US" dirty="0"/>
+              <a:t>During this presentation we will be touching on the Data Sources, we will take a digital sleigh ride through the Data Journey, and will conclude with the Findings.</a:t>
+            </a:r>
+          </a:p>
+        </p:txBody>
+      </p:sp>
+      <p:sp>
+        <p:nvSpPr>
+          <p:cNvPr id="4" name="Slide Number Placeholder 3"/>
+          <p:cNvSpPr>
+            <a:spLocks noGrp="1"/>
+          </p:cNvSpPr>
+          <p:nvPr>
+            <p:ph type="sldNum" sz="quarter" idx="5"/>
+          </p:nvPr>
+        </p:nvSpPr>
+        <p:spPr/>
+        <p:txBody>
+          <a:bodyPr/>
+          <a:lstStyle/>
+          <a:p>
+            <a:fld id="{841221E5-7225-48EB-A4EE-420E7BFCF705}" type="slidenum">
+              <a:rPr lang="en-US" smtClean="0"/>
+              <a:pPr/>
+              <a:t>2</a:t>
+            </a:fld>
+            <a:endParaRPr lang="en-US"/>
+          </a:p>
+        </p:txBody>
+      </p:sp>
+    </p:spTree>
+    <p:extLst>
+      <p:ext uri="{BB962C8B-B14F-4D97-AF65-F5344CB8AC3E}">
+        <p14:creationId xmlns:p14="http://schemas.microsoft.com/office/powerpoint/2010/main" val="3161321304"/>
+      </p:ext>
+    </p:extLst>
+  </p:cSld>
+  <p:clrMapOvr>
+    <a:masterClrMapping/>
+  </p:clrMapOvr>
+</p:notes>
+</file>
+
+<file path=ppt/notesSlides/notesSlide3.xml><?xml version="1.0" encoding="utf-8"?>
+<p:notes xmlns:a="http://schemas.openxmlformats.org/drawingml/2006/main" xmlns:r="http://schemas.openxmlformats.org/officeDocument/2006/relationships" xmlns:p="http://schemas.openxmlformats.org/presentationml/2006/main">
+  <p:cSld>
+    <p:spTree>
+      <p:nvGrpSpPr>
+        <p:cNvPr id="1" name=""/>
+        <p:cNvGrpSpPr/>
+        <p:nvPr/>
+      </p:nvGrpSpPr>
+      <p:grpSpPr>
+        <a:xfrm>
+          <a:off x="0" y="0"/>
+          <a:ext cx="0" cy="0"/>
+          <a:chOff x="0" y="0"/>
+          <a:chExt cx="0" cy="0"/>
+        </a:xfrm>
+      </p:grpSpPr>
+      <p:sp>
+        <p:nvSpPr>
+          <p:cNvPr id="2" name="Slide Image Placeholder 1"/>
+          <p:cNvSpPr>
+            <a:spLocks noGrp="1" noRot="1" noChangeAspect="1"/>
+          </p:cNvSpPr>
+          <p:nvPr>
+            <p:ph type="sldImg"/>
+          </p:nvPr>
+        </p:nvSpPr>
+        <p:spPr/>
+      </p:sp>
+      <p:sp>
+        <p:nvSpPr>
+          <p:cNvPr id="3" name="Notes Placeholder 2"/>
+          <p:cNvSpPr>
+            <a:spLocks noGrp="1"/>
+          </p:cNvSpPr>
+          <p:nvPr>
+            <p:ph type="body" idx="1"/>
+          </p:nvPr>
+        </p:nvSpPr>
+        <p:spPr/>
+        <p:txBody>
+          <a:bodyPr/>
+          <a:lstStyle/>
+          <a:p>
+            <a:r>
+              <a:rPr lang="en-US" dirty="0"/>
+              <a:t>For Native Nashvillian’s you maybe familiar with News 4 Snowbird. When I was younger seeing this awesome penguin meant that I may be lucky enough to miss school.</a:t>
+            </a:r>
+          </a:p>
+        </p:txBody>
+      </p:sp>
+      <p:sp>
+        <p:nvSpPr>
+          <p:cNvPr id="4" name="Slide Number Placeholder 3"/>
+          <p:cNvSpPr>
+            <a:spLocks noGrp="1"/>
+          </p:cNvSpPr>
+          <p:nvPr>
+            <p:ph type="sldNum" sz="quarter" idx="5"/>
+          </p:nvPr>
+        </p:nvSpPr>
+        <p:spPr/>
+        <p:txBody>
+          <a:bodyPr/>
+          <a:lstStyle/>
+          <a:p>
+            <a:fld id="{841221E5-7225-48EB-A4EE-420E7BFCF705}" type="slidenum">
+              <a:rPr lang="en-US" smtClean="0"/>
+              <a:pPr/>
+              <a:t>3</a:t>
+            </a:fld>
+            <a:endParaRPr lang="en-US"/>
+          </a:p>
+        </p:txBody>
+      </p:sp>
+    </p:spTree>
+    <p:extLst>
+      <p:ext uri="{BB962C8B-B14F-4D97-AF65-F5344CB8AC3E}">
+        <p14:creationId xmlns:p14="http://schemas.microsoft.com/office/powerpoint/2010/main" val="1974725459"/>
+      </p:ext>
+    </p:extLst>
+  </p:cSld>
+  <p:clrMapOvr>
+    <a:masterClrMapping/>
+  </p:clrMapOvr>
+</p:notes>
+</file>
+
+<file path=ppt/notesSlides/notesSlide4.xml><?xml version="1.0" encoding="utf-8"?>
+<p:notes xmlns:a="http://schemas.openxmlformats.org/drawingml/2006/main" xmlns:r="http://schemas.openxmlformats.org/officeDocument/2006/relationships" xmlns:p="http://schemas.openxmlformats.org/presentationml/2006/main">
+  <p:cSld>
+    <p:spTree>
+      <p:nvGrpSpPr>
+        <p:cNvPr id="1" name=""/>
+        <p:cNvGrpSpPr/>
+        <p:nvPr/>
+      </p:nvGrpSpPr>
+      <p:grpSpPr>
+        <a:xfrm>
+          <a:off x="0" y="0"/>
+          <a:ext cx="0" cy="0"/>
+          <a:chOff x="0" y="0"/>
+          <a:chExt cx="0" cy="0"/>
+        </a:xfrm>
+      </p:grpSpPr>
+      <p:sp>
+        <p:nvSpPr>
+          <p:cNvPr id="2" name="Slide Image Placeholder 1"/>
+          <p:cNvSpPr>
+            <a:spLocks noGrp="1" noRot="1" noChangeAspect="1"/>
+          </p:cNvSpPr>
+          <p:nvPr>
+            <p:ph type="sldImg"/>
+          </p:nvPr>
+        </p:nvSpPr>
+        <p:spPr/>
+      </p:sp>
+      <p:sp>
+        <p:nvSpPr>
+          <p:cNvPr id="3" name="Notes Placeholder 2"/>
+          <p:cNvSpPr>
+            <a:spLocks noGrp="1"/>
+          </p:cNvSpPr>
+          <p:nvPr>
+            <p:ph type="body" idx="1"/>
+          </p:nvPr>
+        </p:nvSpPr>
+        <p:spPr/>
+        <p:txBody>
+          <a:bodyPr/>
+          <a:lstStyle/>
+          <a:p>
+            <a:r>
+              <a:rPr lang="en-US" dirty="0"/>
+              <a:t>This is an older photograph of Snowbird with his awesome friend Bill Hall on the left.</a:t>
+            </a:r>
+          </a:p>
+        </p:txBody>
+      </p:sp>
+      <p:sp>
+        <p:nvSpPr>
+          <p:cNvPr id="4" name="Slide Number Placeholder 3"/>
+          <p:cNvSpPr>
+            <a:spLocks noGrp="1"/>
+          </p:cNvSpPr>
+          <p:nvPr>
+            <p:ph type="sldNum" sz="quarter" idx="5"/>
+          </p:nvPr>
+        </p:nvSpPr>
+        <p:spPr/>
+        <p:txBody>
+          <a:bodyPr/>
+          <a:lstStyle/>
+          <a:p>
+            <a:fld id="{841221E5-7225-48EB-A4EE-420E7BFCF705}" type="slidenum">
+              <a:rPr lang="en-US" smtClean="0"/>
+              <a:pPr/>
+              <a:t>4</a:t>
+            </a:fld>
+            <a:endParaRPr lang="en-US"/>
+          </a:p>
+        </p:txBody>
+      </p:sp>
+    </p:spTree>
+    <p:extLst>
+      <p:ext uri="{BB962C8B-B14F-4D97-AF65-F5344CB8AC3E}">
+        <p14:creationId xmlns:p14="http://schemas.microsoft.com/office/powerpoint/2010/main" val="446361874"/>
+      </p:ext>
+    </p:extLst>
+  </p:cSld>
+  <p:clrMapOvr>
+    <a:masterClrMapping/>
+  </p:clrMapOvr>
+</p:notes>
+</file>
+
+<file path=ppt/notesSlides/notesSlide5.xml><?xml version="1.0" encoding="utf-8"?>
+<p:notes xmlns:a="http://schemas.openxmlformats.org/drawingml/2006/main" xmlns:r="http://schemas.openxmlformats.org/officeDocument/2006/relationships" xmlns:p="http://schemas.openxmlformats.org/presentationml/2006/main">
+  <p:cSld>
+    <p:spTree>
+      <p:nvGrpSpPr>
+        <p:cNvPr id="1" name=""/>
+        <p:cNvGrpSpPr/>
+        <p:nvPr/>
+      </p:nvGrpSpPr>
+      <p:grpSpPr>
+        <a:xfrm>
+          <a:off x="0" y="0"/>
+          <a:ext cx="0" cy="0"/>
+          <a:chOff x="0" y="0"/>
+          <a:chExt cx="0" cy="0"/>
+        </a:xfrm>
+      </p:grpSpPr>
+      <p:sp>
+        <p:nvSpPr>
+          <p:cNvPr id="2" name="Slide Image Placeholder 1"/>
+          <p:cNvSpPr>
+            <a:spLocks noGrp="1" noRot="1" noChangeAspect="1"/>
+          </p:cNvSpPr>
+          <p:nvPr>
+            <p:ph type="sldImg"/>
+          </p:nvPr>
+        </p:nvSpPr>
+        <p:spPr/>
+      </p:sp>
+      <p:sp>
+        <p:nvSpPr>
+          <p:cNvPr id="3" name="Notes Placeholder 2"/>
+          <p:cNvSpPr>
+            <a:spLocks noGrp="1"/>
+          </p:cNvSpPr>
+          <p:nvPr>
+            <p:ph type="body" idx="1"/>
+          </p:nvPr>
+        </p:nvSpPr>
+        <p:spPr/>
+        <p:txBody>
+          <a:bodyPr/>
+          <a:lstStyle/>
+          <a:p>
+            <a:r>
+              <a:rPr lang="en-US" dirty="0"/>
+              <a:t>Snowbird has been announcing school closing for close to 30 years.</a:t>
+            </a:r>
+          </a:p>
+          <a:p>
+            <a:r>
+              <a:rPr lang="en-US" dirty="0"/>
+              <a:t>Bill Hall was the Meteorologist accompanying Snowbird in the 80s and 90s. Over the years in Nashville I notice the </a:t>
+            </a:r>
+            <a:r>
+              <a:rPr lang="en-US" dirty="0" err="1"/>
+              <a:t>winterland</a:t>
+            </a:r>
+            <a:r>
+              <a:rPr lang="en-US" dirty="0"/>
+              <a:t> I once enjoyed appeared to be slowly going away.</a:t>
+            </a:r>
+          </a:p>
+        </p:txBody>
+      </p:sp>
+      <p:sp>
+        <p:nvSpPr>
+          <p:cNvPr id="4" name="Slide Number Placeholder 3"/>
+          <p:cNvSpPr>
+            <a:spLocks noGrp="1"/>
+          </p:cNvSpPr>
+          <p:nvPr>
+            <p:ph type="sldNum" sz="quarter" idx="5"/>
+          </p:nvPr>
+        </p:nvSpPr>
+        <p:spPr/>
+        <p:txBody>
+          <a:bodyPr/>
+          <a:lstStyle/>
+          <a:p>
+            <a:fld id="{841221E5-7225-48EB-A4EE-420E7BFCF705}" type="slidenum">
+              <a:rPr lang="en-US" smtClean="0"/>
+              <a:pPr/>
+              <a:t>5</a:t>
+            </a:fld>
+            <a:endParaRPr lang="en-US"/>
+          </a:p>
+        </p:txBody>
+      </p:sp>
+    </p:spTree>
+    <p:extLst>
+      <p:ext uri="{BB962C8B-B14F-4D97-AF65-F5344CB8AC3E}">
+        <p14:creationId xmlns:p14="http://schemas.microsoft.com/office/powerpoint/2010/main" val="3405220881"/>
+      </p:ext>
+    </p:extLst>
+  </p:cSld>
+  <p:clrMapOvr>
+    <a:masterClrMapping/>
+  </p:clrMapOvr>
+</p:notes>
+</file>
+
+<file path=ppt/notesSlides/notesSlide6.xml><?xml version="1.0" encoding="utf-8"?>
+<p:notes xmlns:a="http://schemas.openxmlformats.org/drawingml/2006/main" xmlns:r="http://schemas.openxmlformats.org/officeDocument/2006/relationships" xmlns:p="http://schemas.openxmlformats.org/presentationml/2006/main">
+  <p:cSld>
+    <p:spTree>
+      <p:nvGrpSpPr>
+        <p:cNvPr id="1" name=""/>
+        <p:cNvGrpSpPr/>
+        <p:nvPr/>
+      </p:nvGrpSpPr>
+      <p:grpSpPr>
+        <a:xfrm>
+          <a:off x="0" y="0"/>
+          <a:ext cx="0" cy="0"/>
+          <a:chOff x="0" y="0"/>
+          <a:chExt cx="0" cy="0"/>
+        </a:xfrm>
+      </p:grpSpPr>
+      <p:sp>
+        <p:nvSpPr>
+          <p:cNvPr id="2" name="Slide Image Placeholder 1"/>
+          <p:cNvSpPr>
+            <a:spLocks noGrp="1" noRot="1" noChangeAspect="1"/>
+          </p:cNvSpPr>
+          <p:nvPr>
+            <p:ph type="sldImg"/>
+          </p:nvPr>
+        </p:nvSpPr>
+        <p:spPr/>
+      </p:sp>
+      <p:sp>
+        <p:nvSpPr>
+          <p:cNvPr id="3" name="Notes Placeholder 2"/>
+          <p:cNvSpPr>
+            <a:spLocks noGrp="1"/>
+          </p:cNvSpPr>
+          <p:nvPr>
+            <p:ph type="body" idx="1"/>
+          </p:nvPr>
+        </p:nvSpPr>
+        <p:spPr/>
+        <p:txBody>
+          <a:bodyPr/>
+          <a:lstStyle/>
+          <a:p>
+            <a:r>
+              <a:rPr lang="en-US" dirty="0"/>
+              <a:t>To my surprise Tennessee has a Climate Office sponsored by East Tennessee State University. The Climate Office also partnered with other university’s and non-profits. The data I’ll be using today comes from the Southern Regional Climate Center.</a:t>
+            </a:r>
+          </a:p>
+        </p:txBody>
+      </p:sp>
+      <p:sp>
+        <p:nvSpPr>
+          <p:cNvPr id="4" name="Slide Number Placeholder 3"/>
+          <p:cNvSpPr>
+            <a:spLocks noGrp="1"/>
+          </p:cNvSpPr>
+          <p:nvPr>
+            <p:ph type="sldNum" sz="quarter" idx="5"/>
+          </p:nvPr>
+        </p:nvSpPr>
+        <p:spPr/>
+        <p:txBody>
+          <a:bodyPr/>
+          <a:lstStyle/>
+          <a:p>
+            <a:fld id="{841221E5-7225-48EB-A4EE-420E7BFCF705}" type="slidenum">
+              <a:rPr lang="en-US" smtClean="0"/>
+              <a:pPr/>
+              <a:t>8</a:t>
+            </a:fld>
+            <a:endParaRPr lang="en-US"/>
+          </a:p>
+        </p:txBody>
+      </p:sp>
+    </p:spTree>
+    <p:extLst>
+      <p:ext uri="{BB962C8B-B14F-4D97-AF65-F5344CB8AC3E}">
+        <p14:creationId xmlns:p14="http://schemas.microsoft.com/office/powerpoint/2010/main" val="4212743368"/>
+      </p:ext>
+    </p:extLst>
+  </p:cSld>
+  <p:clrMapOvr>
+    <a:masterClrMapping/>
+  </p:clrMapOvr>
+</p:notes>
+</file>
+
+<file path=ppt/notesSlides/notesSlide7.xml><?xml version="1.0" encoding="utf-8"?>
+<p:notes xmlns:a="http://schemas.openxmlformats.org/drawingml/2006/main" xmlns:r="http://schemas.openxmlformats.org/officeDocument/2006/relationships" xmlns:p="http://schemas.openxmlformats.org/presentationml/2006/main">
+  <p:cSld>
+    <p:spTree>
+      <p:nvGrpSpPr>
+        <p:cNvPr id="1" name=""/>
+        <p:cNvGrpSpPr/>
+        <p:nvPr/>
+      </p:nvGrpSpPr>
+      <p:grpSpPr>
+        <a:xfrm>
+          <a:off x="0" y="0"/>
+          <a:ext cx="0" cy="0"/>
+          <a:chOff x="0" y="0"/>
+          <a:chExt cx="0" cy="0"/>
+        </a:xfrm>
+      </p:grpSpPr>
+      <p:sp>
+        <p:nvSpPr>
+          <p:cNvPr id="2" name="Slide Image Placeholder 1"/>
+          <p:cNvSpPr>
+            <a:spLocks noGrp="1" noRot="1" noChangeAspect="1"/>
+          </p:cNvSpPr>
+          <p:nvPr>
+            <p:ph type="sldImg"/>
+          </p:nvPr>
+        </p:nvSpPr>
+        <p:spPr/>
+      </p:sp>
+      <p:sp>
+        <p:nvSpPr>
+          <p:cNvPr id="3" name="Notes Placeholder 2"/>
+          <p:cNvSpPr>
+            <a:spLocks noGrp="1"/>
+          </p:cNvSpPr>
+          <p:nvPr>
+            <p:ph type="body" idx="1"/>
+          </p:nvPr>
+        </p:nvSpPr>
+        <p:spPr/>
+        <p:txBody>
+          <a:bodyPr/>
+          <a:lstStyle/>
+          <a:p>
+            <a:r>
+              <a:rPr lang="en-US" dirty="0"/>
+              <a:t>We will be traveling at the speed of wire for some and </a:t>
+            </a:r>
+            <a:r>
+              <a:rPr lang="en-US" dirty="0" err="1"/>
+              <a:t>wifi</a:t>
+            </a:r>
+            <a:r>
+              <a:rPr lang="en-US" dirty="0"/>
+              <a:t> for others as we buckle up on my digital sleigh through this journey.</a:t>
+            </a:r>
+          </a:p>
+        </p:txBody>
+      </p:sp>
+      <p:sp>
+        <p:nvSpPr>
+          <p:cNvPr id="4" name="Slide Number Placeholder 3"/>
+          <p:cNvSpPr>
+            <a:spLocks noGrp="1"/>
+          </p:cNvSpPr>
+          <p:nvPr>
+            <p:ph type="sldNum" sz="quarter" idx="5"/>
+          </p:nvPr>
+        </p:nvSpPr>
+        <p:spPr/>
+        <p:txBody>
+          <a:bodyPr/>
+          <a:lstStyle/>
+          <a:p>
+            <a:fld id="{841221E5-7225-48EB-A4EE-420E7BFCF705}" type="slidenum">
+              <a:rPr lang="en-US" smtClean="0"/>
+              <a:pPr/>
+              <a:t>9</a:t>
+            </a:fld>
+            <a:endParaRPr lang="en-US"/>
+          </a:p>
+        </p:txBody>
+      </p:sp>
+    </p:spTree>
+    <p:extLst>
+      <p:ext uri="{BB962C8B-B14F-4D97-AF65-F5344CB8AC3E}">
+        <p14:creationId xmlns:p14="http://schemas.microsoft.com/office/powerpoint/2010/main" val="2094491667"/>
+      </p:ext>
+    </p:extLst>
+  </p:cSld>
+  <p:clrMapOvr>
+    <a:masterClrMapping/>
+  </p:clrMapOvr>
+</p:notes>
+</file>
+
+<file path=ppt/notesSlides/notesSlide8.xml><?xml version="1.0" encoding="utf-8"?>
+<p:notes xmlns:a="http://schemas.openxmlformats.org/drawingml/2006/main" xmlns:r="http://schemas.openxmlformats.org/officeDocument/2006/relationships" xmlns:p="http://schemas.openxmlformats.org/presentationml/2006/main">
+  <p:cSld>
+    <p:spTree>
+      <p:nvGrpSpPr>
+        <p:cNvPr id="1" name=""/>
+        <p:cNvGrpSpPr/>
+        <p:nvPr/>
+      </p:nvGrpSpPr>
+      <p:grpSpPr>
+        <a:xfrm>
+          <a:off x="0" y="0"/>
+          <a:ext cx="0" cy="0"/>
+          <a:chOff x="0" y="0"/>
+          <a:chExt cx="0" cy="0"/>
+        </a:xfrm>
+      </p:grpSpPr>
+      <p:sp>
+        <p:nvSpPr>
+          <p:cNvPr id="2" name="Slide Image Placeholder 1"/>
+          <p:cNvSpPr>
+            <a:spLocks noGrp="1" noRot="1" noChangeAspect="1"/>
+          </p:cNvSpPr>
+          <p:nvPr>
+            <p:ph type="sldImg"/>
+          </p:nvPr>
+        </p:nvSpPr>
+        <p:spPr/>
+      </p:sp>
+      <p:sp>
+        <p:nvSpPr>
+          <p:cNvPr id="3" name="Notes Placeholder 2"/>
+          <p:cNvSpPr>
+            <a:spLocks noGrp="1"/>
+          </p:cNvSpPr>
+          <p:nvPr>
+            <p:ph type="body" idx="1"/>
+          </p:nvPr>
+        </p:nvSpPr>
+        <p:spPr/>
+        <p:txBody>
+          <a:bodyPr/>
+          <a:lstStyle/>
+          <a:p>
+            <a:r>
+              <a:rPr lang="en-US" dirty="0"/>
+              <a:t>The data we will be looking at is from a weather station at Nashville International Airport between the dates of November 30</a:t>
+            </a:r>
+            <a:r>
+              <a:rPr lang="en-US" baseline="30000" dirty="0"/>
+              <a:t>th</a:t>
+            </a:r>
+            <a:r>
+              <a:rPr lang="en-US" dirty="0"/>
+              <a:t>, 1961 and November 30</a:t>
+            </a:r>
+            <a:r>
+              <a:rPr lang="en-US" baseline="30000" dirty="0"/>
+              <a:t>th</a:t>
+            </a:r>
+            <a:r>
+              <a:rPr lang="en-US" dirty="0"/>
+              <a:t>, 2021</a:t>
+            </a:r>
+          </a:p>
+        </p:txBody>
+      </p:sp>
+      <p:sp>
+        <p:nvSpPr>
+          <p:cNvPr id="4" name="Slide Number Placeholder 3"/>
+          <p:cNvSpPr>
+            <a:spLocks noGrp="1"/>
+          </p:cNvSpPr>
+          <p:nvPr>
+            <p:ph type="sldNum" sz="quarter" idx="5"/>
+          </p:nvPr>
+        </p:nvSpPr>
+        <p:spPr/>
+        <p:txBody>
+          <a:bodyPr/>
+          <a:lstStyle/>
+          <a:p>
+            <a:fld id="{841221E5-7225-48EB-A4EE-420E7BFCF705}" type="slidenum">
+              <a:rPr lang="en-US" smtClean="0"/>
+              <a:pPr/>
+              <a:t>10</a:t>
+            </a:fld>
+            <a:endParaRPr lang="en-US"/>
+          </a:p>
+        </p:txBody>
+      </p:sp>
+    </p:spTree>
+    <p:extLst>
+      <p:ext uri="{BB962C8B-B14F-4D97-AF65-F5344CB8AC3E}">
+        <p14:creationId xmlns:p14="http://schemas.microsoft.com/office/powerpoint/2010/main" val="95287662"/>
+      </p:ext>
+    </p:extLst>
+  </p:cSld>
+  <p:clrMapOvr>
+    <a:masterClrMapping/>
+  </p:clrMapOvr>
+</p:notes>
+</file>
+
+<file path=ppt/notesSlides/notesSlide9.xml><?xml version="1.0" encoding="utf-8"?>
+<p:notes xmlns:a="http://schemas.openxmlformats.org/drawingml/2006/main" xmlns:r="http://schemas.openxmlformats.org/officeDocument/2006/relationships" xmlns:p="http://schemas.openxmlformats.org/presentationml/2006/main">
+  <p:cSld>
+    <p:spTree>
+      <p:nvGrpSpPr>
+        <p:cNvPr id="1" name=""/>
+        <p:cNvGrpSpPr/>
+        <p:nvPr/>
+      </p:nvGrpSpPr>
+      <p:grpSpPr>
+        <a:xfrm>
+          <a:off x="0" y="0"/>
+          <a:ext cx="0" cy="0"/>
+          <a:chOff x="0" y="0"/>
+          <a:chExt cx="0" cy="0"/>
+        </a:xfrm>
+      </p:grpSpPr>
+      <p:sp>
+        <p:nvSpPr>
+          <p:cNvPr id="2" name="Slide Image Placeholder 1"/>
+          <p:cNvSpPr>
+            <a:spLocks noGrp="1" noRot="1" noChangeAspect="1"/>
+          </p:cNvSpPr>
+          <p:nvPr>
+            <p:ph type="sldImg"/>
+          </p:nvPr>
+        </p:nvSpPr>
+        <p:spPr/>
+      </p:sp>
+      <p:sp>
+        <p:nvSpPr>
+          <p:cNvPr id="3" name="Notes Placeholder 2"/>
+          <p:cNvSpPr>
+            <a:spLocks noGrp="1"/>
+          </p:cNvSpPr>
+          <p:nvPr>
+            <p:ph type="body" idx="1"/>
+          </p:nvPr>
+        </p:nvSpPr>
+        <p:spPr/>
+        <p:txBody>
+          <a:bodyPr/>
+          <a:lstStyle/>
+          <a:p>
+            <a:endParaRPr lang="en-US" dirty="0"/>
+          </a:p>
+        </p:txBody>
+      </p:sp>
+      <p:sp>
+        <p:nvSpPr>
+          <p:cNvPr id="4" name="Slide Number Placeholder 3"/>
+          <p:cNvSpPr>
+            <a:spLocks noGrp="1"/>
+          </p:cNvSpPr>
+          <p:nvPr>
+            <p:ph type="sldNum" sz="quarter" idx="5"/>
+          </p:nvPr>
+        </p:nvSpPr>
+        <p:spPr/>
+        <p:txBody>
+          <a:bodyPr/>
+          <a:lstStyle/>
+          <a:p>
+            <a:fld id="{841221E5-7225-48EB-A4EE-420E7BFCF705}" type="slidenum">
+              <a:rPr lang="en-US" smtClean="0"/>
+              <a:pPr/>
+              <a:t>11</a:t>
+            </a:fld>
+            <a:endParaRPr lang="en-US"/>
+          </a:p>
+        </p:txBody>
+      </p:sp>
+    </p:spTree>
+    <p:extLst>
+      <p:ext uri="{BB962C8B-B14F-4D97-AF65-F5344CB8AC3E}">
+        <p14:creationId xmlns:p14="http://schemas.microsoft.com/office/powerpoint/2010/main" val="2236804651"/>
       </p:ext>
     </p:extLst>
   </p:cSld>
@@ -3501,7 +4251,7 @@
           <a:p>
             <a:fld id="{A0253C03-C60F-4FF5-BBBF-078D44B72E7D}" type="datetime1">
               <a:rPr lang="en-US" smtClean="0"/>
-              <a:t>12/17/2021</a:t>
+              <a:t>12/18/2021</a:t>
             </a:fld>
             <a:endParaRPr lang="en-US" dirty="0"/>
           </a:p>
@@ -3729,7 +4479,7 @@
           <a:p>
             <a:fld id="{DA056D9D-9483-42E7-8CD7-15EDE1A4DDC4}" type="datetime1">
               <a:rPr lang="en-US" smtClean="0"/>
-              <a:t>12/17/2021</a:t>
+              <a:t>12/18/2021</a:t>
             </a:fld>
             <a:endParaRPr lang="en-US"/>
           </a:p>
@@ -3924,7 +4674,7 @@
           <a:p>
             <a:fld id="{99FD5F10-92B8-46C7-A107-1CF6EB1C2F18}" type="datetime1">
               <a:rPr lang="en-US" smtClean="0"/>
-              <a:t>12/17/2021</a:t>
+              <a:t>12/18/2021</a:t>
             </a:fld>
             <a:endParaRPr lang="en-US"/>
           </a:p>
@@ -4125,7 +4875,7 @@
           <a:p>
             <a:fld id="{4C940BF0-453F-47A9-9012-5AED3B22E7A1}" type="datetime1">
               <a:rPr lang="en-US" smtClean="0"/>
-              <a:t>12/17/2021</a:t>
+              <a:t>12/18/2021</a:t>
             </a:fld>
             <a:endParaRPr lang="en-US" dirty="0"/>
           </a:p>
@@ -4399,7 +5149,7 @@
           <a:p>
             <a:fld id="{1F6906E3-B742-4986-90B6-990F07048832}" type="datetime1">
               <a:rPr lang="en-US" smtClean="0"/>
-              <a:t>12/17/2021</a:t>
+              <a:t>12/18/2021</a:t>
             </a:fld>
             <a:endParaRPr lang="en-US" dirty="0"/>
           </a:p>
@@ -4719,7 +5469,7 @@
           <a:p>
             <a:fld id="{A31A372C-B131-4034-B61F-BCF761990A4F}" type="datetime1">
               <a:rPr lang="en-US" smtClean="0"/>
-              <a:t>12/17/2021</a:t>
+              <a:t>12/18/2021</a:t>
             </a:fld>
             <a:endParaRPr lang="en-US"/>
           </a:p>
@@ -5183,7 +5933,7 @@
           <a:p>
             <a:fld id="{91E70B50-D705-4567-8892-606DA8DDC082}" type="datetime1">
               <a:rPr lang="en-US" smtClean="0"/>
-              <a:t>12/17/2021</a:t>
+              <a:t>12/18/2021</a:t>
             </a:fld>
             <a:endParaRPr lang="en-US"/>
           </a:p>
@@ -5316,7 +6066,7 @@
           <a:p>
             <a:fld id="{22293B8A-AC5E-448D-90F1-5F90DC8C0860}" type="datetime1">
               <a:rPr lang="en-US" smtClean="0"/>
-              <a:t>12/17/2021</a:t>
+              <a:t>12/18/2021</a:t>
             </a:fld>
             <a:endParaRPr lang="en-US"/>
           </a:p>
@@ -5426,7 +6176,7 @@
           <a:p>
             <a:fld id="{F40D0D57-1DF2-4CE0-A88F-4398D994BF4C}" type="datetime1">
               <a:rPr lang="en-US" smtClean="0"/>
-              <a:t>12/17/2021</a:t>
+              <a:t>12/18/2021</a:t>
             </a:fld>
             <a:endParaRPr lang="en-US" dirty="0"/>
           </a:p>
@@ -5768,7 +6518,7 @@
           <a:p>
             <a:fld id="{D1A11A79-789F-42C6-A798-E2703A37BA23}" type="datetime1">
               <a:rPr lang="en-US" smtClean="0"/>
-              <a:t>12/17/2021</a:t>
+              <a:t>12/18/2021</a:t>
             </a:fld>
             <a:endParaRPr lang="en-US"/>
           </a:p>
@@ -6109,7 +6859,7 @@
           <a:p>
             <a:fld id="{D8074BA6-2CAA-43FD-B6CB-325C80A91D3E}" type="datetime1">
               <a:rPr lang="en-US" smtClean="0"/>
-              <a:t>12/17/2021</a:t>
+              <a:t>12/18/2021</a:t>
             </a:fld>
             <a:endParaRPr lang="en-US"/>
           </a:p>
@@ -6345,7 +7095,7 @@
             <a:fld id="{0D141A01-0FF1-467E-B344-8F7D0706474A}" type="datetime1">
               <a:rPr lang="en-US" smtClean="0"/>
               <a:pPr/>
-              <a:t>12/17/2021</a:t>
+              <a:t>12/18/2021</a:t>
             </a:fld>
             <a:endParaRPr lang="en-US" dirty="0"/>
           </a:p>
@@ -6828,7 +7578,7 @@
           <a:p>
             <a:r>
               <a:rPr lang="en-US" dirty="0"/>
-              <a:t>Has snowfall patterns changed in Middle Tennessee?</a:t>
+              <a:t>Has snowfall patterns changed in Nashville Tennessee?</a:t>
             </a:r>
           </a:p>
         </p:txBody>
@@ -6843,11 +7593,11 @@
   <p:clrMapOvr>
     <a:masterClrMapping/>
   </p:clrMapOvr>
-  <mc:AlternateContent xmlns:mc="http://schemas.openxmlformats.org/markup-compatibility/2006">
-    <mc:Choice xmlns:p14="http://schemas.microsoft.com/office/powerpoint/2010/main" Requires="p14">
+  <mc:AlternateContent xmlns:mc="http://schemas.openxmlformats.org/markup-compatibility/2006" xmlns:p14="http://schemas.microsoft.com/office/powerpoint/2010/main">
+    <mc:Choice Requires="p14">
       <p:transition p14:dur="0"/>
     </mc:Choice>
-    <mc:Fallback>
+    <mc:Fallback xmlns="">
       <p:transition/>
     </mc:Fallback>
   </mc:AlternateContent>
@@ -6921,7 +7671,7 @@
         </p:xfrm>
         <a:graphic>
           <a:graphicData uri="http://schemas.openxmlformats.org/drawingml/2006/diagram">
-            <dgm:relIds xmlns:dgm="http://schemas.openxmlformats.org/drawingml/2006/diagram" xmlns:r="http://schemas.openxmlformats.org/officeDocument/2006/relationships" r:dm="rId2" r:lo="rId3" r:qs="rId4" r:cs="rId5"/>
+            <dgm:relIds xmlns:dgm="http://schemas.openxmlformats.org/drawingml/2006/diagram" xmlns:r="http://schemas.openxmlformats.org/officeDocument/2006/relationships" r:dm="rId3" r:lo="rId4" r:qs="rId5" r:cs="rId6"/>
           </a:graphicData>
         </a:graphic>
       </p:graphicFrame>
@@ -6935,13 +7685,13 @@
   <p:clrMapOvr>
     <a:masterClrMapping/>
   </p:clrMapOvr>
-  <mc:AlternateContent xmlns:mc="http://schemas.openxmlformats.org/markup-compatibility/2006">
-    <mc:Choice xmlns:p14="http://schemas.microsoft.com/office/powerpoint/2010/main" Requires="p14">
+  <mc:AlternateContent xmlns:mc="http://schemas.openxmlformats.org/markup-compatibility/2006" xmlns:p14="http://schemas.microsoft.com/office/powerpoint/2010/main">
+    <mc:Choice Requires="p14">
       <p:transition spd="slow" p14:dur="800">
         <p14:flythrough/>
       </p:transition>
     </mc:Choice>
-    <mc:Fallback>
+    <mc:Fallback xmlns="">
       <p:transition spd="slow">
         <p:fade/>
       </p:transition>
@@ -7019,7 +7769,7 @@
           </p:nvPr>
         </p:nvPicPr>
         <p:blipFill>
-          <a:blip r:embed="rId2">
+          <a:blip r:embed="rId3">
             <a:extLst>
               <a:ext uri="{28A0092B-C50C-407E-A947-70E740481C1C}">
                 <a14:useLocalDpi xmlns:a14="http://schemas.microsoft.com/office/drawing/2010/main" val="0"/>
@@ -7048,13 +7798,13 @@
   <p:clrMapOvr>
     <a:masterClrMapping/>
   </p:clrMapOvr>
-  <mc:AlternateContent xmlns:mc="http://schemas.openxmlformats.org/markup-compatibility/2006">
-    <mc:Choice xmlns:p14="http://schemas.microsoft.com/office/powerpoint/2010/main" Requires="p14">
+  <mc:AlternateContent xmlns:mc="http://schemas.openxmlformats.org/markup-compatibility/2006" xmlns:p14="http://schemas.microsoft.com/office/powerpoint/2010/main">
+    <mc:Choice Requires="p14">
       <p:transition spd="med" p14:dur="700">
         <p:fade/>
       </p:transition>
     </mc:Choice>
-    <mc:Fallback>
+    <mc:Fallback xmlns="">
       <p:transition spd="med">
         <p:fade/>
       </p:transition>
@@ -7153,13 +7903,13 @@
   <p:clrMapOvr>
     <a:masterClrMapping/>
   </p:clrMapOvr>
-  <mc:AlternateContent xmlns:mc="http://schemas.openxmlformats.org/markup-compatibility/2006">
-    <mc:Choice xmlns:p159="http://schemas.microsoft.com/office/powerpoint/2015/09/main" Requires="p159">
+  <mc:AlternateContent xmlns:mc="http://schemas.openxmlformats.org/markup-compatibility/2006" xmlns:p159="http://schemas.microsoft.com/office/powerpoint/2015/09/main">
+    <mc:Choice Requires="p159">
       <p:transition xmlns:p14="http://schemas.microsoft.com/office/powerpoint/2010/main" spd="slow" p14:dur="2000">
         <p159:morph option="byObject"/>
       </p:transition>
     </mc:Choice>
-    <mc:Fallback>
+    <mc:Fallback xmlns="">
       <p:transition spd="slow">
         <p:fade/>
       </p:transition>
@@ -7258,13 +8008,13 @@
   <p:clrMapOvr>
     <a:masterClrMapping/>
   </p:clrMapOvr>
-  <mc:AlternateContent xmlns:mc="http://schemas.openxmlformats.org/markup-compatibility/2006">
-    <mc:Choice xmlns:p159="http://schemas.microsoft.com/office/powerpoint/2015/09/main" Requires="p159">
+  <mc:AlternateContent xmlns:mc="http://schemas.openxmlformats.org/markup-compatibility/2006" xmlns:p159="http://schemas.microsoft.com/office/powerpoint/2015/09/main">
+    <mc:Choice Requires="p159">
       <p:transition xmlns:p14="http://schemas.microsoft.com/office/powerpoint/2010/main" spd="slow" p14:dur="2000">
         <p159:morph option="byObject"/>
       </p:transition>
     </mc:Choice>
-    <mc:Fallback>
+    <mc:Fallback xmlns="">
       <p:transition spd="slow">
         <p:fade/>
       </p:transition>
@@ -7363,13 +8113,13 @@
   <p:clrMapOvr>
     <a:masterClrMapping/>
   </p:clrMapOvr>
-  <mc:AlternateContent xmlns:mc="http://schemas.openxmlformats.org/markup-compatibility/2006">
-    <mc:Choice xmlns:p159="http://schemas.microsoft.com/office/powerpoint/2015/09/main" Requires="p159">
+  <mc:AlternateContent xmlns:mc="http://schemas.openxmlformats.org/markup-compatibility/2006" xmlns:p159="http://schemas.microsoft.com/office/powerpoint/2015/09/main">
+    <mc:Choice Requires="p159">
       <p:transition xmlns:p14="http://schemas.microsoft.com/office/powerpoint/2010/main" spd="slow" p14:dur="2000">
         <p159:morph option="byObject"/>
       </p:transition>
     </mc:Choice>
-    <mc:Fallback>
+    <mc:Fallback xmlns="">
       <p:transition spd="slow">
         <p:fade/>
       </p:transition>
@@ -7467,13 +8217,13 @@
   <p:clrMapOvr>
     <a:masterClrMapping/>
   </p:clrMapOvr>
-  <mc:AlternateContent xmlns:mc="http://schemas.openxmlformats.org/markup-compatibility/2006">
-    <mc:Choice xmlns:p159="http://schemas.microsoft.com/office/powerpoint/2015/09/main" Requires="p159">
+  <mc:AlternateContent xmlns:mc="http://schemas.openxmlformats.org/markup-compatibility/2006" xmlns:p159="http://schemas.microsoft.com/office/powerpoint/2015/09/main">
+    <mc:Choice Requires="p159">
       <p:transition xmlns:p14="http://schemas.microsoft.com/office/powerpoint/2010/main" spd="slow" p14:dur="2000">
         <p159:morph option="byObject"/>
       </p:transition>
     </mc:Choice>
-    <mc:Fallback>
+    <mc:Fallback xmlns="">
       <p:transition spd="slow">
         <p:fade/>
       </p:transition>
@@ -7811,13 +8561,13 @@
   <p:clrMapOvr>
     <a:masterClrMapping/>
   </p:clrMapOvr>
-  <mc:AlternateContent xmlns:mc="http://schemas.openxmlformats.org/markup-compatibility/2006">
-    <mc:Choice xmlns:p159="http://schemas.microsoft.com/office/powerpoint/2015/09/main" Requires="p159">
+  <mc:AlternateContent xmlns:mc="http://schemas.openxmlformats.org/markup-compatibility/2006" xmlns:p159="http://schemas.microsoft.com/office/powerpoint/2015/09/main">
+    <mc:Choice Requires="p159">
       <p:transition xmlns:p14="http://schemas.microsoft.com/office/powerpoint/2010/main" spd="slow" p14:dur="2000">
         <p159:morph option="byObject"/>
       </p:transition>
     </mc:Choice>
-    <mc:Fallback>
+    <mc:Fallback xmlns="">
       <p:transition spd="slow">
         <p:fade/>
       </p:transition>
@@ -7916,13 +8666,13 @@
   <p:clrMapOvr>
     <a:masterClrMapping/>
   </p:clrMapOvr>
-  <mc:AlternateContent xmlns:mc="http://schemas.openxmlformats.org/markup-compatibility/2006">
-    <mc:Choice xmlns:p159="http://schemas.microsoft.com/office/powerpoint/2015/09/main" Requires="p159">
+  <mc:AlternateContent xmlns:mc="http://schemas.openxmlformats.org/markup-compatibility/2006" xmlns:p159="http://schemas.microsoft.com/office/powerpoint/2015/09/main">
+    <mc:Choice Requires="p159">
       <p:transition xmlns:p14="http://schemas.microsoft.com/office/powerpoint/2010/main" spd="slow" p14:dur="2000">
         <p159:morph option="byObject"/>
       </p:transition>
     </mc:Choice>
-    <mc:Fallback>
+    <mc:Fallback xmlns="">
       <p:transition spd="slow">
         <p:fade/>
       </p:transition>
@@ -8021,13 +8771,13 @@
   <p:clrMapOvr>
     <a:masterClrMapping/>
   </p:clrMapOvr>
-  <mc:AlternateContent xmlns:mc="http://schemas.openxmlformats.org/markup-compatibility/2006">
-    <mc:Choice xmlns:p159="http://schemas.microsoft.com/office/powerpoint/2015/09/main" Requires="p159">
+  <mc:AlternateContent xmlns:mc="http://schemas.openxmlformats.org/markup-compatibility/2006" xmlns:p159="http://schemas.microsoft.com/office/powerpoint/2015/09/main">
+    <mc:Choice Requires="p159">
       <p:transition xmlns:p14="http://schemas.microsoft.com/office/powerpoint/2010/main" spd="slow" p14:dur="2000">
         <p159:morph option="byObject"/>
       </p:transition>
     </mc:Choice>
-    <mc:Fallback>
+    <mc:Fallback xmlns="">
       <p:transition spd="slow">
         <p:fade/>
       </p:transition>
@@ -8119,13 +8869,13 @@
   <p:clrMapOvr>
     <a:masterClrMapping/>
   </p:clrMapOvr>
-  <mc:AlternateContent xmlns:mc="http://schemas.openxmlformats.org/markup-compatibility/2006">
-    <mc:Choice xmlns:p159="http://schemas.microsoft.com/office/powerpoint/2015/09/main" Requires="p159">
+  <mc:AlternateContent xmlns:mc="http://schemas.openxmlformats.org/markup-compatibility/2006" xmlns:p159="http://schemas.microsoft.com/office/powerpoint/2015/09/main">
+    <mc:Choice Requires="p159">
       <p:transition xmlns:p14="http://schemas.microsoft.com/office/powerpoint/2010/main" spd="slow" p14:dur="2000">
         <p159:morph option="byObject"/>
       </p:transition>
     </mc:Choice>
-    <mc:Fallback>
+    <mc:Fallback xmlns="">
       <p:transition spd="slow">
         <p:fade/>
       </p:transition>
@@ -8223,13 +8973,13 @@
   <p:clrMapOvr>
     <a:masterClrMapping/>
   </p:clrMapOvr>
-  <mc:AlternateContent xmlns:mc="http://schemas.openxmlformats.org/markup-compatibility/2006">
-    <mc:Choice xmlns:p14="http://schemas.microsoft.com/office/powerpoint/2010/main" Requires="p14">
+  <mc:AlternateContent xmlns:mc="http://schemas.openxmlformats.org/markup-compatibility/2006" xmlns:p14="http://schemas.microsoft.com/office/powerpoint/2010/main">
+    <mc:Choice Requires="p14">
       <p:transition spd="slow" p14:dur="800">
         <p14:flythrough/>
       </p:transition>
     </mc:Choice>
-    <mc:Fallback>
+    <mc:Fallback xmlns="">
       <p:transition spd="slow">
         <p:fade/>
       </p:transition>
@@ -8328,13 +9078,13 @@
   <p:clrMapOvr>
     <a:masterClrMapping/>
   </p:clrMapOvr>
-  <mc:AlternateContent xmlns:mc="http://schemas.openxmlformats.org/markup-compatibility/2006">
-    <mc:Choice xmlns:p14="http://schemas.microsoft.com/office/powerpoint/2010/main" Requires="p14">
+  <mc:AlternateContent xmlns:mc="http://schemas.openxmlformats.org/markup-compatibility/2006" xmlns:p14="http://schemas.microsoft.com/office/powerpoint/2010/main">
+    <mc:Choice Requires="p14">
       <p:transition spd="slow" p14:dur="800">
         <p14:flythrough/>
       </p:transition>
     </mc:Choice>
-    <mc:Fallback>
+    <mc:Fallback xmlns="">
       <p:transition spd="slow">
         <p:fade/>
       </p:transition>
@@ -8468,13 +9218,13 @@
   <p:clrMapOvr>
     <a:masterClrMapping/>
   </p:clrMapOvr>
-  <mc:AlternateContent xmlns:mc="http://schemas.openxmlformats.org/markup-compatibility/2006">
-    <mc:Choice xmlns:p14="http://schemas.microsoft.com/office/powerpoint/2010/main" Requires="p14">
+  <mc:AlternateContent xmlns:mc="http://schemas.openxmlformats.org/markup-compatibility/2006" xmlns:p14="http://schemas.microsoft.com/office/powerpoint/2010/main">
+    <mc:Choice Requires="p14">
       <p:transition spd="med" p14:dur="700">
         <p:fade/>
       </p:transition>
     </mc:Choice>
-    <mc:Fallback>
+    <mc:Fallback xmlns="">
       <p:transition spd="med">
         <p:fade/>
       </p:transition>
@@ -8608,13 +9358,13 @@
   <p:clrMapOvr>
     <a:masterClrMapping/>
   </p:clrMapOvr>
-  <mc:AlternateContent xmlns:mc="http://schemas.openxmlformats.org/markup-compatibility/2006">
-    <mc:Choice xmlns:p159="http://schemas.microsoft.com/office/powerpoint/2015/09/main" Requires="p159">
+  <mc:AlternateContent xmlns:mc="http://schemas.openxmlformats.org/markup-compatibility/2006" xmlns:p159="http://schemas.microsoft.com/office/powerpoint/2015/09/main">
+    <mc:Choice Requires="p159">
       <p:transition xmlns:p14="http://schemas.microsoft.com/office/powerpoint/2010/main" spd="slow" p14:dur="2000">
         <p159:morph option="byObject"/>
       </p:transition>
     </mc:Choice>
-    <mc:Fallback>
+    <mc:Fallback xmlns="">
       <p:transition spd="slow">
         <p:fade/>
       </p:transition>
@@ -8748,13 +9498,13 @@
   <p:clrMapOvr>
     <a:masterClrMapping/>
   </p:clrMapOvr>
-  <mc:AlternateContent xmlns:mc="http://schemas.openxmlformats.org/markup-compatibility/2006">
-    <mc:Choice xmlns:p159="http://schemas.microsoft.com/office/powerpoint/2015/09/main" Requires="p159">
+  <mc:AlternateContent xmlns:mc="http://schemas.openxmlformats.org/markup-compatibility/2006" xmlns:p159="http://schemas.microsoft.com/office/powerpoint/2015/09/main">
+    <mc:Choice Requires="p159">
       <p:transition xmlns:p14="http://schemas.microsoft.com/office/powerpoint/2010/main" spd="slow" p14:dur="2000">
         <p159:morph option="byObject"/>
       </p:transition>
     </mc:Choice>
-    <mc:Fallback>
+    <mc:Fallback xmlns="">
       <p:transition spd="slow">
         <p:fade/>
       </p:transition>
@@ -8888,13 +9638,13 @@
   <p:clrMapOvr>
     <a:masterClrMapping/>
   </p:clrMapOvr>
-  <mc:AlternateContent xmlns:mc="http://schemas.openxmlformats.org/markup-compatibility/2006">
-    <mc:Choice xmlns:p159="http://schemas.microsoft.com/office/powerpoint/2015/09/main" Requires="p159">
+  <mc:AlternateContent xmlns:mc="http://schemas.openxmlformats.org/markup-compatibility/2006" xmlns:p159="http://schemas.microsoft.com/office/powerpoint/2015/09/main">
+    <mc:Choice Requires="p159">
       <p:transition xmlns:p14="http://schemas.microsoft.com/office/powerpoint/2010/main" spd="slow" p14:dur="2000">
         <p159:morph option="byObject"/>
       </p:transition>
     </mc:Choice>
-    <mc:Fallback>
+    <mc:Fallback xmlns="">
       <p:transition spd="slow">
         <p:fade/>
       </p:transition>
@@ -8996,13 +9746,13 @@
   <p:clrMapOvr>
     <a:masterClrMapping/>
   </p:clrMapOvr>
-  <mc:AlternateContent xmlns:mc="http://schemas.openxmlformats.org/markup-compatibility/2006">
-    <mc:Choice xmlns:p14="http://schemas.microsoft.com/office/powerpoint/2010/main" Requires="p14">
+  <mc:AlternateContent xmlns:mc="http://schemas.openxmlformats.org/markup-compatibility/2006" xmlns:p14="http://schemas.microsoft.com/office/powerpoint/2010/main">
+    <mc:Choice Requires="p14">
       <p:transition spd="med" p14:dur="700">
         <p:fade/>
       </p:transition>
     </mc:Choice>
-    <mc:Fallback>
+    <mc:Fallback xmlns="">
       <p:transition spd="med">
         <p:fade/>
       </p:transition>
@@ -9099,7 +9849,7 @@
           <p:nvPr/>
         </p:nvPicPr>
         <p:blipFill>
-          <a:blip r:embed="rId2">
+          <a:blip r:embed="rId3">
             <a:extLst>
               <a:ext uri="{28A0092B-C50C-407E-A947-70E740481C1C}">
                 <a14:useLocalDpi xmlns:a14="http://schemas.microsoft.com/office/drawing/2010/main" val="0"/>
@@ -9130,13 +9880,13 @@
   <p:clrMapOvr>
     <a:masterClrMapping/>
   </p:clrMapOvr>
-  <mc:AlternateContent xmlns:mc="http://schemas.openxmlformats.org/markup-compatibility/2006">
-    <mc:Choice xmlns:p159="http://schemas.microsoft.com/office/powerpoint/2015/09/main" Requires="p159">
+  <mc:AlternateContent xmlns:mc="http://schemas.openxmlformats.org/markup-compatibility/2006" xmlns:p159="http://schemas.microsoft.com/office/powerpoint/2015/09/main">
+    <mc:Choice Requires="p159">
       <p:transition xmlns:p14="http://schemas.microsoft.com/office/powerpoint/2010/main" spd="slow" p14:dur="2000">
         <p159:morph option="byObject"/>
       </p:transition>
     </mc:Choice>
-    <mc:Fallback>
+    <mc:Fallback xmlns="">
       <p:transition spd="slow">
         <p:fade/>
       </p:transition>
@@ -9179,7 +9929,7 @@
           </p:nvPr>
         </p:nvPicPr>
         <p:blipFill rotWithShape="1">
-          <a:blip r:embed="rId2">
+          <a:blip r:embed="rId3">
             <a:extLst>
               <a:ext uri="{28A0092B-C50C-407E-A947-70E740481C1C}">
                 <a14:useLocalDpi xmlns:a14="http://schemas.microsoft.com/office/drawing/2010/main" val="0"/>
@@ -9207,13 +9957,13 @@
   <p:clrMapOvr>
     <a:masterClrMapping/>
   </p:clrMapOvr>
-  <mc:AlternateContent xmlns:mc="http://schemas.openxmlformats.org/markup-compatibility/2006">
-    <mc:Choice xmlns:p14="http://schemas.microsoft.com/office/powerpoint/2010/main" Requires="p14">
+  <mc:AlternateContent xmlns:mc="http://schemas.openxmlformats.org/markup-compatibility/2006" xmlns:p14="http://schemas.microsoft.com/office/powerpoint/2010/main">
+    <mc:Choice Requires="p14">
       <p:transition spd="slow" p14:dur="1400">
         <p14:ripple/>
       </p:transition>
     </mc:Choice>
-    <mc:Fallback>
+    <mc:Fallback xmlns="">
       <p:transition spd="slow">
         <p:fade/>
       </p:transition>
@@ -9326,13 +10076,13 @@
   <p:clrMapOvr>
     <a:masterClrMapping/>
   </p:clrMapOvr>
-  <mc:AlternateContent xmlns:mc="http://schemas.openxmlformats.org/markup-compatibility/2006">
-    <mc:Choice xmlns:p14="http://schemas.microsoft.com/office/powerpoint/2010/main" Requires="p14">
+  <mc:AlternateContent xmlns:mc="http://schemas.openxmlformats.org/markup-compatibility/2006" xmlns:p14="http://schemas.microsoft.com/office/powerpoint/2010/main">
+    <mc:Choice Requires="p14">
       <p:transition spd="slow" p14:dur="3400">
         <p14:reveal/>
       </p:transition>
     </mc:Choice>
-    <mc:Fallback>
+    <mc:Fallback xmlns="">
       <p:transition spd="slow">
         <p:fade/>
       </p:transition>
@@ -9799,13 +10549,13 @@
   <p:clrMapOvr>
     <a:masterClrMapping/>
   </p:clrMapOvr>
-  <mc:AlternateContent xmlns:mc="http://schemas.openxmlformats.org/markup-compatibility/2006">
-    <mc:Choice xmlns:p159="http://schemas.microsoft.com/office/powerpoint/2015/09/main" Requires="p159">
+  <mc:AlternateContent xmlns:mc="http://schemas.openxmlformats.org/markup-compatibility/2006" xmlns:p159="http://schemas.microsoft.com/office/powerpoint/2015/09/main">
+    <mc:Choice Requires="p159">
       <p:transition xmlns:p14="http://schemas.microsoft.com/office/powerpoint/2010/main" spd="slow" p14:dur="2000">
         <p159:morph option="byObject"/>
       </p:transition>
     </mc:Choice>
-    <mc:Fallback>
+    <mc:Fallback xmlns="">
       <p:transition spd="slow">
         <p:fade/>
       </p:transition>
@@ -10257,13 +11007,13 @@
   <p:clrMapOvr>
     <a:masterClrMapping/>
   </p:clrMapOvr>
-  <mc:AlternateContent xmlns:mc="http://schemas.openxmlformats.org/markup-compatibility/2006">
-    <mc:Choice xmlns:p159="http://schemas.microsoft.com/office/powerpoint/2015/09/main" Requires="p159">
+  <mc:AlternateContent xmlns:mc="http://schemas.openxmlformats.org/markup-compatibility/2006" xmlns:p159="http://schemas.microsoft.com/office/powerpoint/2015/09/main">
+    <mc:Choice Requires="p159">
       <p:transition xmlns:p14="http://schemas.microsoft.com/office/powerpoint/2010/main" spd="slow" p14:dur="2000">
         <p159:morph option="byObject"/>
       </p:transition>
     </mc:Choice>
-    <mc:Fallback>
+    <mc:Fallback xmlns="">
       <p:transition spd="slow">
         <p:fade/>
       </p:transition>
@@ -10388,13 +11138,13 @@
   <p:clrMapOvr>
     <a:masterClrMapping/>
   </p:clrMapOvr>
-  <mc:AlternateContent xmlns:mc="http://schemas.openxmlformats.org/markup-compatibility/2006">
-    <mc:Choice xmlns:p159="http://schemas.microsoft.com/office/powerpoint/2015/09/main" Requires="p159">
+  <mc:AlternateContent xmlns:mc="http://schemas.openxmlformats.org/markup-compatibility/2006" xmlns:p159="http://schemas.microsoft.com/office/powerpoint/2015/09/main">
+    <mc:Choice Requires="p159">
       <p:transition xmlns:p14="http://schemas.microsoft.com/office/powerpoint/2010/main" spd="slow" p14:dur="2000">
         <p159:morph option="byObject"/>
       </p:transition>
     </mc:Choice>
-    <mc:Fallback>
+    <mc:Fallback xmlns="">
       <p:transition spd="slow">
         <p:fade/>
       </p:transition>
@@ -10745,7 +11495,7 @@
           <p:nvPr/>
         </p:nvPicPr>
         <p:blipFill rotWithShape="1">
-          <a:blip r:embed="rId2"/>
+          <a:blip r:embed="rId3"/>
           <a:srcRect t="5409" b="11506"/>
           <a:stretch/>
         </p:blipFill>
@@ -10770,13 +11520,13 @@
   <p:clrMapOvr>
     <a:masterClrMapping/>
   </p:clrMapOvr>
-  <mc:AlternateContent xmlns:mc="http://schemas.openxmlformats.org/markup-compatibility/2006">
-    <mc:Choice xmlns:p14="http://schemas.microsoft.com/office/powerpoint/2010/main" Requires="p14">
+  <mc:AlternateContent xmlns:mc="http://schemas.openxmlformats.org/markup-compatibility/2006" xmlns:p14="http://schemas.microsoft.com/office/powerpoint/2010/main">
+    <mc:Choice Requires="p14">
       <p:transition spd="med" p14:dur="700">
         <p:fade/>
       </p:transition>
     </mc:Choice>
-    <mc:Fallback>
+    <mc:Fallback xmlns="">
       <p:transition spd="med">
         <p:fade/>
       </p:transition>
@@ -11657,6 +12407,17 @@
 </file>
 
 <file path=customXml/item1.xml><?xml version="1.0" encoding="utf-8"?>
+<p:properties xmlns:p="http://schemas.microsoft.com/office/2006/metadata/properties" xmlns:xsi="http://www.w3.org/2001/XMLSchema-instance" xmlns:pc="http://schemas.microsoft.com/office/infopath/2007/PartnerControls">
+  <documentManagement>
+    <VSO_x0020_item_x0020_id xmlns="40262f94-9f35-4ac3-9a90-690165a166b7" xsi:nil="true"/>
+    <Assetid_x0020_ xmlns="40262f94-9f35-4ac3-9a90-690165a166b7" xsi:nil="true"/>
+    <Item_x0020_Details xmlns="40262f94-9f35-4ac3-9a90-690165a166b7" xsi:nil="true"/>
+    <Template_x0020_details xmlns="40262f94-9f35-4ac3-9a90-690165a166b7" xsi:nil="true"/>
+  </documentManagement>
+</p:properties>
+</file>
+
+<file path=customXml/item2.xml><?xml version="1.0" encoding="utf-8"?>
 <ct:contentTypeSchema xmlns:ct="http://schemas.microsoft.com/office/2006/metadata/contentType" xmlns:ma="http://schemas.microsoft.com/office/2006/metadata/properties/metaAttributes" ct:_="" ma:_="" ma:contentTypeName="Document" ma:contentTypeID="0x010100AA3F7D94069FF64A86F7DFF56D60E3BE" ma:contentTypeVersion="6" ma:contentTypeDescription="Create a new document." ma:contentTypeScope="" ma:versionID="c32302c77d4085ecf495bdddb7f5e889">
   <xsd:schema xmlns:xsd="http://www.w3.org/2001/XMLSchema" xmlns:xs="http://www.w3.org/2001/XMLSchema" xmlns:p="http://schemas.microsoft.com/office/2006/metadata/properties" xmlns:ns2="a4f35948-e619-41b3-aa29-22878b09cfd2" xmlns:ns3="40262f94-9f35-4ac3-9a90-690165a166b7" targetNamespace="http://schemas.microsoft.com/office/2006/metadata/properties" ma:root="true" ma:fieldsID="4ab5ae46be95f9d0be6107e8200be7a2" ns2:_="" ns3:_="">
     <xsd:import namespace="a4f35948-e619-41b3-aa29-22878b09cfd2"/>
@@ -11837,17 +12598,6 @@
 </ct:contentTypeSchema>
 </file>
 
-<file path=customXml/item2.xml><?xml version="1.0" encoding="utf-8"?>
-<p:properties xmlns:p="http://schemas.microsoft.com/office/2006/metadata/properties" xmlns:xsi="http://www.w3.org/2001/XMLSchema-instance" xmlns:pc="http://schemas.microsoft.com/office/infopath/2007/PartnerControls">
-  <documentManagement>
-    <VSO_x0020_item_x0020_id xmlns="40262f94-9f35-4ac3-9a90-690165a166b7" xsi:nil="true"/>
-    <Assetid_x0020_ xmlns="40262f94-9f35-4ac3-9a90-690165a166b7" xsi:nil="true"/>
-    <Item_x0020_Details xmlns="40262f94-9f35-4ac3-9a90-690165a166b7" xsi:nil="true"/>
-    <Template_x0020_details xmlns="40262f94-9f35-4ac3-9a90-690165a166b7" xsi:nil="true"/>
-  </documentManagement>
-</p:properties>
-</file>
-
 <file path=customXml/item3.xml><?xml version="1.0" encoding="utf-8"?>
 <?mso-contentType ?>
 <FormTemplates xmlns="http://schemas.microsoft.com/sharepoint/v3/contenttype/forms">
@@ -11858,6 +12608,23 @@
 </file>
 
 <file path=customXml/itemProps1.xml><?xml version="1.0" encoding="utf-8"?>
+<ds:datastoreItem xmlns:ds="http://schemas.openxmlformats.org/officeDocument/2006/customXml" ds:itemID="{2915ED37-D514-41C3-9B3C-B262145D17B7}">
+  <ds:schemaRefs>
+    <ds:schemaRef ds:uri="http://schemas.microsoft.com/office/2006/documentManagement/types"/>
+    <ds:schemaRef ds:uri="http://schemas.microsoft.com/office/infopath/2007/PartnerControls"/>
+    <ds:schemaRef ds:uri="http://purl.org/dc/elements/1.1/"/>
+    <ds:schemaRef ds:uri="http://schemas.microsoft.com/office/2006/metadata/properties"/>
+    <ds:schemaRef ds:uri="http://purl.org/dc/terms/"/>
+    <ds:schemaRef ds:uri="http://schemas.openxmlformats.org/package/2006/metadata/core-properties"/>
+    <ds:schemaRef ds:uri="40262f94-9f35-4ac3-9a90-690165a166b7"/>
+    <ds:schemaRef ds:uri="a4f35948-e619-41b3-aa29-22878b09cfd2"/>
+    <ds:schemaRef ds:uri="http://www.w3.org/XML/1998/namespace"/>
+    <ds:schemaRef ds:uri="http://purl.org/dc/dcmitype/"/>
+  </ds:schemaRefs>
+</ds:datastoreItem>
+</file>
+
+<file path=customXml/itemProps2.xml><?xml version="1.0" encoding="utf-8"?>
 <ds:datastoreItem xmlns:ds="http://schemas.openxmlformats.org/officeDocument/2006/customXml" ds:itemID="{D8853CD7-B1C6-4FDD-B6D0-92A83B857D3F}">
   <ds:schemaRefs>
     <ds:schemaRef ds:uri="http://schemas.microsoft.com/office/2006/metadata/contentType"/>
@@ -11876,23 +12643,6 @@
 </ds:datastoreItem>
 </file>
 
-<file path=customXml/itemProps2.xml><?xml version="1.0" encoding="utf-8"?>
-<ds:datastoreItem xmlns:ds="http://schemas.openxmlformats.org/officeDocument/2006/customXml" ds:itemID="{2915ED37-D514-41C3-9B3C-B262145D17B7}">
-  <ds:schemaRefs>
-    <ds:schemaRef ds:uri="http://schemas.microsoft.com/office/2006/documentManagement/types"/>
-    <ds:schemaRef ds:uri="http://schemas.microsoft.com/office/infopath/2007/PartnerControls"/>
-    <ds:schemaRef ds:uri="http://purl.org/dc/elements/1.1/"/>
-    <ds:schemaRef ds:uri="http://schemas.microsoft.com/office/2006/metadata/properties"/>
-    <ds:schemaRef ds:uri="http://purl.org/dc/terms/"/>
-    <ds:schemaRef ds:uri="http://schemas.openxmlformats.org/package/2006/metadata/core-properties"/>
-    <ds:schemaRef ds:uri="40262f94-9f35-4ac3-9a90-690165a166b7"/>
-    <ds:schemaRef ds:uri="a4f35948-e619-41b3-aa29-22878b09cfd2"/>
-    <ds:schemaRef ds:uri="http://www.w3.org/XML/1998/namespace"/>
-    <ds:schemaRef ds:uri="http://purl.org/dc/dcmitype/"/>
-  </ds:schemaRefs>
-</ds:datastoreItem>
-</file>
-
 <file path=customXml/itemProps3.xml><?xml version="1.0" encoding="utf-8"?>
 <ds:datastoreItem xmlns:ds="http://schemas.openxmlformats.org/officeDocument/2006/customXml" ds:itemID="{3E783485-1103-4BBC-98A1-D39A248154C3}">
   <ds:schemaRefs>
